--- a/Praktikum_6/Abgabe_6.pptx
+++ b/Praktikum_6/Abgabe_6.pptx
@@ -109,6 +109,14 @@
       </a:defRPr>
     </a:lvl9pPr>
   </p:defaultTextStyle>
+  <p:extLst>
+    <p:ext uri="{EFAFB233-063F-42B5-8137-9DF3F51BA10A}">
+      <p15:sldGuideLst xmlns:p15="http://schemas.microsoft.com/office/powerpoint/2012/main"/>
+    </p:ext>
+    <p:ext uri="{2D200454-40CA-4A62-9FC3-DE9A4176ACB9}">
+      <p15:notesGuideLst xmlns:p15="http://schemas.microsoft.com/office/powerpoint/2012/main"/>
+    </p:ext>
+  </p:extLst>
 </p:presentation>
 </file>
 
@@ -3768,10 +3776,9 @@
           <a:lstStyle/>
           <a:p>
             <a:r>
-              <a:rPr lang="de-DE" dirty="0" err="1"/>
-              <a:t>Netzwerkflussprobelm</a:t>
-            </a:r>
-            <a:endParaRPr lang="de-DE" dirty="0"/>
+              <a:rPr lang="de-DE" dirty="0"/>
+              <a:t>Netzwerkflussproblem</a:t>
+            </a:r>
           </a:p>
         </p:txBody>
       </p:sp>
